--- a/lectrix_internship/work/Automationdashboard/data/analysis_data.pptx
+++ b/lectrix_internship/work/Automationdashboard/data/analysis_data.pptx
@@ -8,14 +8,6 @@
     <p:sldId id="256" r:id="rId7"/>
     <p:sldId id="257" r:id="rId8"/>
     <p:sldId id="258" r:id="rId9"/>
-    <p:sldId id="259" r:id="rId10"/>
-    <p:sldId id="260" r:id="rId11"/>
-    <p:sldId id="261" r:id="rId12"/>
-    <p:sldId id="262" r:id="rId13"/>
-    <p:sldId id="263" r:id="rId14"/>
-    <p:sldId id="264" r:id="rId15"/>
-    <p:sldId id="265" r:id="rId16"/>
-    <p:sldId id="266" r:id="rId17"/>
   </p:sldIdLst>
   <p:sldSz cx="9144000" cy="6858000" type="screen4x3"/>
   <p:notesSz cx="6858000" cy="9144000"/>
@@ -3113,6 +3105,11 @@
           <a:bodyPr/>
           <a:lstStyle/>
           <a:p>
+            <a:pPr>
+              <a:defRPr b="1" sz="3600">
+                <a:latin typeface="Selawik"/>
+              </a:defRPr>
+            </a:pPr>
             <a:r>
               <a:t>Analysis Results from Folder - data</a:t>
             </a:r>
@@ -3133,115 +3130,9 @@
         <p:txBody>
           <a:bodyPr/>
           <a:lstStyle/>
-          <a:p>
-            <a:r>
-              <a:t>Automated Analysis Summary</a:t>
-            </a:r>
-          </a:p>
-        </p:txBody>
-      </p:sp>
-    </p:spTree>
-  </p:cSld>
-  <p:clrMapOvr>
-    <a:masterClrMapping/>
-  </p:clrMapOvr>
-</p:sld>
-</file>
-
-<file path=ppt/slides/slide10.xml><?xml version="1.0" encoding="utf-8"?>
-<p:sld xmlns:a="http://schemas.openxmlformats.org/drawingml/2006/main" xmlns:p="http://schemas.openxmlformats.org/presentationml/2006/main" xmlns:r="http://schemas.openxmlformats.org/officeDocument/2006/relationships">
-  <p:cSld>
-    <p:spTree>
-      <p:nvGrpSpPr>
-        <p:cNvPr id="1" name=""/>
-        <p:cNvGrpSpPr/>
-        <p:nvPr/>
-      </p:nvGrpSpPr>
-      <p:grpSpPr/>
-      <p:sp>
-        <p:nvSpPr>
-          <p:cNvPr id="2" name="Title 1"/>
-          <p:cNvSpPr>
-            <a:spLocks noGrp="1"/>
-          </p:cNvSpPr>
-          <p:nvPr>
-            <p:ph type="title"/>
-          </p:nvPr>
-        </p:nvSpPr>
-        <p:spPr/>
-        <p:txBody>
-          <a:bodyPr/>
-          <a:lstStyle/>
-          <a:p>
-            <a:r>
-              <a:t>Analysis Results</a:t>
-            </a:r>
-          </a:p>
-        </p:txBody>
-      </p:sp>
-      <p:sp>
-        <p:nvSpPr>
-          <p:cNvPr id="3" name="Content Placeholder 2"/>
-          <p:cNvSpPr>
-            <a:spLocks noGrp="1"/>
-          </p:cNvSpPr>
-          <p:nvPr>
-            <p:ph idx="1"/>
-          </p:nvPr>
-        </p:nvSpPr>
-        <p:spPr/>
-        <p:txBody>
-          <a:bodyPr/>
-          <a:lstStyle/>
-          <a:p>
-            <a:r>
-              <a:t>Mode: Eco mode</a:t>
-            </a:r>
-          </a:p>
-        </p:txBody>
-      </p:sp>
-    </p:spTree>
-  </p:cSld>
-  <p:clrMapOvr>
-    <a:masterClrMapping/>
-  </p:clrMapOvr>
-</p:sld>
-</file>
-
-<file path=ppt/slides/slide11.xml><?xml version="1.0" encoding="utf-8"?>
-<p:sld xmlns:a="http://schemas.openxmlformats.org/drawingml/2006/main" xmlns:p="http://schemas.openxmlformats.org/presentationml/2006/main" xmlns:r="http://schemas.openxmlformats.org/officeDocument/2006/relationships">
-  <p:cSld>
-    <p:spTree>
-      <p:nvGrpSpPr>
-        <p:cNvPr id="1" name=""/>
-        <p:cNvGrpSpPr/>
-        <p:nvPr/>
-      </p:nvGrpSpPr>
-      <p:grpSpPr/>
-      <p:pic>
-        <p:nvPicPr>
-          <p:cNvPr id="2" name="Picture 1" descr="graph.png"/>
-          <p:cNvPicPr>
-            <a:picLocks noChangeAspect="1"/>
-          </p:cNvPicPr>
-          <p:nvPr/>
-        </p:nvPicPr>
-        <p:blipFill>
-          <a:blip r:embed="rId2"/>
-          <a:stretch>
-            <a:fillRect/>
-          </a:stretch>
-        </p:blipFill>
-        <p:spPr>
-          <a:xfrm>
-            <a:off x="914400" y="914400"/>
-            <a:ext cx="7315200" cy="4389120"/>
-          </a:xfrm>
-          <a:prstGeom prst="rect">
-            <a:avLst/>
-          </a:prstGeom>
-        </p:spPr>
-      </p:pic>
+          <a:p/>
+        </p:txBody>
+      </p:sp>
     </p:spTree>
   </p:cSld>
   <p:clrMapOvr>
@@ -3270,38 +3161,307 @@
             <p:ph type="title"/>
           </p:nvPr>
         </p:nvSpPr>
-        <p:spPr/>
-        <p:txBody>
-          <a:bodyPr/>
-          <a:lstStyle/>
-          <a:p>
-            <a:r>
-              <a:t>Analysis Results</a:t>
-            </a:r>
-          </a:p>
-        </p:txBody>
-      </p:sp>
-      <p:sp>
-        <p:nvSpPr>
-          <p:cNvPr id="3" name="Content Placeholder 2"/>
-          <p:cNvSpPr>
-            <a:spLocks noGrp="1"/>
-          </p:cNvSpPr>
-          <p:nvPr>
-            <p:ph idx="1"/>
-          </p:nvPr>
-        </p:nvSpPr>
-        <p:spPr/>
-        <p:txBody>
-          <a:bodyPr/>
-          <a:lstStyle/>
-          <a:p>
-            <a:r>
-              <a:t>Total time taken for the ride: 02:30</a:t>
-            </a:r>
-          </a:p>
-        </p:txBody>
-      </p:sp>
+        <p:spPr>
+          <a:xfrm>
+            <a:off x="0" y="457200"/>
+          </a:xfrm>
+        </p:spPr>
+        <p:txBody>
+          <a:bodyPr/>
+          <a:lstStyle/>
+          <a:p>
+            <a:r>
+              <a:t>Analysis Results:</a:t>
+            </a:r>
+          </a:p>
+        </p:txBody>
+      </p:sp>
+      <p:graphicFrame>
+        <p:nvGraphicFramePr>
+          <p:cNvPr id="3" name="Table 2"/>
+          <p:cNvGraphicFramePr>
+            <a:graphicFrameLocks noGrp="1"/>
+          </p:cNvGraphicFramePr>
+          <p:nvPr/>
+        </p:nvGraphicFramePr>
+        <p:xfrm>
+          <a:off x="914400" y="1371600"/>
+          <a:ext cx="7315200" cy="4572000"/>
+        </p:xfrm>
+        <a:graphic>
+          <a:graphicData uri="http://schemas.openxmlformats.org/drawingml/2006/table">
+            <a:tbl>
+              <a:tblPr firstRow="1" bandRow="1">
+                <a:tableStyleId>{5C22544A-7EE6-4342-B048-85BDC9FD1C3A}</a:tableStyleId>
+              </a:tblPr>
+              <a:tblGrid>
+                <a:gridCol w="3657600"/>
+                <a:gridCol w="3657600"/>
+              </a:tblGrid>
+              <a:tr h="457200">
+                <a:tc>
+                  <a:txBody>
+                    <a:bodyPr/>
+                    <a:lstStyle/>
+                    <a:p>
+                      <a:r>
+                        <a:t>Metric</a:t>
+                      </a:r>
+                    </a:p>
+                  </a:txBody>
+                  <a:tcPr/>
+                </a:tc>
+                <a:tc>
+                  <a:txBody>
+                    <a:bodyPr/>
+                    <a:lstStyle/>
+                    <a:p>
+                      <a:r>
+                        <a:t>Value</a:t>
+                      </a:r>
+                    </a:p>
+                  </a:txBody>
+                  <a:tcPr/>
+                </a:tc>
+              </a:tr>
+              <a:tr h="457200">
+                <a:tc>
+                  <a:txBody>
+                    <a:bodyPr/>
+                    <a:lstStyle/>
+                    <a:p>
+                      <a:r>
+                        <a:t>Total time taken for the ride</a:t>
+                      </a:r>
+                    </a:p>
+                  </a:txBody>
+                  <a:tcPr/>
+                </a:tc>
+                <a:tc>
+                  <a:txBody>
+                    <a:bodyPr/>
+                    <a:lstStyle/>
+                    <a:p>
+                      <a:r>
+                        <a:t>0 days 00:04:55.880000</a:t>
+                      </a:r>
+                    </a:p>
+                  </a:txBody>
+                  <a:tcPr/>
+                </a:tc>
+              </a:tr>
+              <a:tr h="457200">
+                <a:tc>
+                  <a:txBody>
+                    <a:bodyPr/>
+                    <a:lstStyle/>
+                    <a:p>
+                      <a:r>
+                        <a:t>Actual Ampere-hours (Ah)</a:t>
+                      </a:r>
+                    </a:p>
+                  </a:txBody>
+                  <a:tcPr/>
+                </a:tc>
+                <a:tc>
+                  <a:txBody>
+                    <a:bodyPr/>
+                    <a:lstStyle/>
+                    <a:p>
+                      <a:r>
+                        <a:t>-0.496635</a:t>
+                      </a:r>
+                    </a:p>
+                  </a:txBody>
+                  <a:tcPr/>
+                </a:tc>
+              </a:tr>
+              <a:tr h="457200">
+                <a:tc>
+                  <a:txBody>
+                    <a:bodyPr/>
+                    <a:lstStyle/>
+                    <a:p>
+                      <a:r>
+                        <a:t>Actual Watt-hours (Wh)</a:t>
+                      </a:r>
+                    </a:p>
+                  </a:txBody>
+                  <a:tcPr/>
+                </a:tc>
+                <a:tc>
+                  <a:txBody>
+                    <a:bodyPr/>
+                    <a:lstStyle/>
+                    <a:p>
+                      <a:r>
+                        <a:t>-25.81896295027778</a:t>
+                      </a:r>
+                    </a:p>
+                  </a:txBody>
+                  <a:tcPr/>
+                </a:tc>
+              </a:tr>
+              <a:tr h="457200">
+                <a:tc>
+                  <a:txBody>
+                    <a:bodyPr/>
+                    <a:lstStyle/>
+                    <a:p>
+                      <a:r>
+                        <a:t>Starting SoC (Ah)</a:t>
+                      </a:r>
+                    </a:p>
+                  </a:txBody>
+                  <a:tcPr/>
+                </a:tc>
+                <a:tc>
+                  <a:txBody>
+                    <a:bodyPr/>
+                    <a:lstStyle/>
+                    <a:p>
+                      <a:r>
+                        <a:t>33.91</a:t>
+                      </a:r>
+                    </a:p>
+                  </a:txBody>
+                  <a:tcPr/>
+                </a:tc>
+              </a:tr>
+              <a:tr h="457200">
+                <a:tc>
+                  <a:txBody>
+                    <a:bodyPr/>
+                    <a:lstStyle/>
+                    <a:p>
+                      <a:r>
+                        <a:t>Ending SoC (Ah)</a:t>
+                      </a:r>
+                    </a:p>
+                  </a:txBody>
+                  <a:tcPr/>
+                </a:tc>
+                <a:tc>
+                  <a:txBody>
+                    <a:bodyPr/>
+                    <a:lstStyle/>
+                    <a:p>
+                      <a:r>
+                        <a:t>34.433</a:t>
+                      </a:r>
+                    </a:p>
+                  </a:txBody>
+                  <a:tcPr/>
+                </a:tc>
+              </a:tr>
+              <a:tr h="457200">
+                <a:tc>
+                  <a:txBody>
+                    <a:bodyPr/>
+                    <a:lstStyle/>
+                    <a:p>
+                      <a:r>
+                        <a:t>Total distance covered (in kilometers)</a:t>
+                      </a:r>
+                    </a:p>
+                  </a:txBody>
+                  <a:tcPr/>
+                </a:tc>
+                <a:tc>
+                  <a:txBody>
+                    <a:bodyPr/>
+                    <a:lstStyle/>
+                    <a:p>
+                      <a:r>
+                        <a:t>3.4955890920449577</a:t>
+                      </a:r>
+                    </a:p>
+                  </a:txBody>
+                  <a:tcPr/>
+                </a:tc>
+              </a:tr>
+              <a:tr h="457200">
+                <a:tc>
+                  <a:txBody>
+                    <a:bodyPr/>
+                    <a:lstStyle/>
+                    <a:p>
+                      <a:r>
+                        <a:t>WH/KM</a:t>
+                      </a:r>
+                    </a:p>
+                  </a:txBody>
+                  <a:tcPr/>
+                </a:tc>
+                <a:tc>
+                  <a:txBody>
+                    <a:bodyPr/>
+                    <a:lstStyle/>
+                    <a:p>
+                      <a:r>
+                        <a:t>-40.360253303742816</a:t>
+                      </a:r>
+                    </a:p>
+                  </a:txBody>
+                  <a:tcPr/>
+                </a:tc>
+              </a:tr>
+              <a:tr h="457200">
+                <a:tc>
+                  <a:txBody>
+                    <a:bodyPr/>
+                    <a:lstStyle/>
+                    <a:p>
+                      <a:r>
+                        <a:t>Total SOC consumed</a:t>
+                      </a:r>
+                    </a:p>
+                  </a:txBody>
+                  <a:tcPr/>
+                </a:tc>
+                <a:tc>
+                  <a:txBody>
+                    <a:bodyPr/>
+                    <a:lstStyle/>
+                    <a:p>
+                      <a:r>
+                        <a:t>1.0%</a:t>
+                      </a:r>
+                    </a:p>
+                  </a:txBody>
+                  <a:tcPr/>
+                </a:tc>
+              </a:tr>
+              <a:tr h="457200">
+                <a:tc>
+                  <a:txBody>
+                    <a:bodyPr/>
+                    <a:lstStyle/>
+                    <a:p>
+                      <a:r>
+                        <a:t>Mode</a:t>
+                      </a:r>
+                    </a:p>
+                  </a:txBody>
+                  <a:tcPr/>
+                </a:tc>
+                <a:tc>
+                  <a:txBody>
+                    <a:bodyPr/>
+                    <a:lstStyle/>
+                    <a:p>
+                      <a:r>
+                        <a:t>Eco mode</a:t>
+                      </a:r>
+                    </a:p>
+                  </a:txBody>
+                  <a:tcPr/>
+                </a:tc>
+              </a:tr>
+            </a:tbl>
+          </a:graphicData>
+        </a:graphic>
+      </p:graphicFrame>
     </p:spTree>
   </p:cSld>
   <p:clrMapOvr>
@@ -3322,406 +3482,56 @@
       <p:grpSpPr/>
       <p:sp>
         <p:nvSpPr>
-          <p:cNvPr id="2" name="Title 1"/>
-          <p:cNvSpPr>
-            <a:spLocks noGrp="1"/>
-          </p:cNvSpPr>
-          <p:nvPr>
-            <p:ph type="title"/>
-          </p:nvPr>
-        </p:nvSpPr>
-        <p:spPr/>
-        <p:txBody>
-          <a:bodyPr/>
-          <a:lstStyle/>
-          <a:p>
-            <a:r>
-              <a:t>Analysis Results</a:t>
-            </a:r>
-          </a:p>
-        </p:txBody>
-      </p:sp>
-      <p:sp>
-        <p:nvSpPr>
-          <p:cNvPr id="3" name="Content Placeholder 2"/>
-          <p:cNvSpPr>
-            <a:spLocks noGrp="1"/>
-          </p:cNvSpPr>
-          <p:nvPr>
-            <p:ph idx="1"/>
-          </p:nvPr>
-        </p:nvSpPr>
-        <p:spPr/>
-        <p:txBody>
-          <a:bodyPr/>
-          <a:lstStyle/>
-          <a:p>
-            <a:r>
-              <a:t>Actual Ampere-hours (Ah): -0.496635</a:t>
-            </a:r>
-          </a:p>
-        </p:txBody>
-      </p:sp>
-    </p:spTree>
-  </p:cSld>
-  <p:clrMapOvr>
-    <a:masterClrMapping/>
-  </p:clrMapOvr>
-</p:sld>
-</file>
-
-<file path=ppt/slides/slide4.xml><?xml version="1.0" encoding="utf-8"?>
-<p:sld xmlns:a="http://schemas.openxmlformats.org/drawingml/2006/main" xmlns:p="http://schemas.openxmlformats.org/presentationml/2006/main" xmlns:r="http://schemas.openxmlformats.org/officeDocument/2006/relationships">
-  <p:cSld>
-    <p:spTree>
-      <p:nvGrpSpPr>
-        <p:cNvPr id="1" name=""/>
-        <p:cNvGrpSpPr/>
-        <p:nvPr/>
-      </p:nvGrpSpPr>
-      <p:grpSpPr/>
-      <p:sp>
-        <p:nvSpPr>
-          <p:cNvPr id="2" name="Title 1"/>
-          <p:cNvSpPr>
-            <a:spLocks noGrp="1"/>
-          </p:cNvSpPr>
-          <p:nvPr>
-            <p:ph type="title"/>
-          </p:nvPr>
-        </p:nvSpPr>
-        <p:spPr/>
-        <p:txBody>
-          <a:bodyPr/>
-          <a:lstStyle/>
-          <a:p>
-            <a:r>
-              <a:t>Analysis Results</a:t>
-            </a:r>
-          </a:p>
-        </p:txBody>
-      </p:sp>
-      <p:sp>
-        <p:nvSpPr>
-          <p:cNvPr id="3" name="Content Placeholder 2"/>
-          <p:cNvSpPr>
-            <a:spLocks noGrp="1"/>
-          </p:cNvSpPr>
-          <p:nvPr>
-            <p:ph idx="1"/>
-          </p:nvPr>
-        </p:nvSpPr>
-        <p:spPr/>
-        <p:txBody>
-          <a:bodyPr/>
-          <a:lstStyle/>
-          <a:p>
-            <a:r>
-              <a:t>Actual Watt-hours (Wh): -25.81896295027778</a:t>
-            </a:r>
-          </a:p>
-        </p:txBody>
-      </p:sp>
-    </p:spTree>
-  </p:cSld>
-  <p:clrMapOvr>
-    <a:masterClrMapping/>
-  </p:clrMapOvr>
-</p:sld>
-</file>
-
-<file path=ppt/slides/slide5.xml><?xml version="1.0" encoding="utf-8"?>
-<p:sld xmlns:a="http://schemas.openxmlformats.org/drawingml/2006/main" xmlns:p="http://schemas.openxmlformats.org/presentationml/2006/main" xmlns:r="http://schemas.openxmlformats.org/officeDocument/2006/relationships">
-  <p:cSld>
-    <p:spTree>
-      <p:nvGrpSpPr>
-        <p:cNvPr id="1" name=""/>
-        <p:cNvGrpSpPr/>
-        <p:nvPr/>
-      </p:nvGrpSpPr>
-      <p:grpSpPr/>
-      <p:sp>
-        <p:nvSpPr>
-          <p:cNvPr id="2" name="Title 1"/>
-          <p:cNvSpPr>
-            <a:spLocks noGrp="1"/>
-          </p:cNvSpPr>
-          <p:nvPr>
-            <p:ph type="title"/>
-          </p:nvPr>
-        </p:nvSpPr>
-        <p:spPr/>
-        <p:txBody>
-          <a:bodyPr/>
-          <a:lstStyle/>
-          <a:p>
-            <a:r>
-              <a:t>Analysis Results</a:t>
-            </a:r>
-          </a:p>
-        </p:txBody>
-      </p:sp>
-      <p:sp>
-        <p:nvSpPr>
-          <p:cNvPr id="3" name="Content Placeholder 2"/>
-          <p:cNvSpPr>
-            <a:spLocks noGrp="1"/>
-          </p:cNvSpPr>
-          <p:nvPr>
-            <p:ph idx="1"/>
-          </p:nvPr>
-        </p:nvSpPr>
-        <p:spPr/>
-        <p:txBody>
-          <a:bodyPr/>
-          <a:lstStyle/>
-          <a:p>
-            <a:r>
-              <a:t>Starting SoC (Ah): 33.91</a:t>
-            </a:r>
-          </a:p>
-        </p:txBody>
-      </p:sp>
-    </p:spTree>
-  </p:cSld>
-  <p:clrMapOvr>
-    <a:masterClrMapping/>
-  </p:clrMapOvr>
-</p:sld>
-</file>
-
-<file path=ppt/slides/slide6.xml><?xml version="1.0" encoding="utf-8"?>
-<p:sld xmlns:a="http://schemas.openxmlformats.org/drawingml/2006/main" xmlns:p="http://schemas.openxmlformats.org/presentationml/2006/main" xmlns:r="http://schemas.openxmlformats.org/officeDocument/2006/relationships">
-  <p:cSld>
-    <p:spTree>
-      <p:nvGrpSpPr>
-        <p:cNvPr id="1" name=""/>
-        <p:cNvGrpSpPr/>
-        <p:nvPr/>
-      </p:nvGrpSpPr>
-      <p:grpSpPr/>
-      <p:sp>
-        <p:nvSpPr>
-          <p:cNvPr id="2" name="Title 1"/>
-          <p:cNvSpPr>
-            <a:spLocks noGrp="1"/>
-          </p:cNvSpPr>
-          <p:nvPr>
-            <p:ph type="title"/>
-          </p:nvPr>
-        </p:nvSpPr>
-        <p:spPr/>
-        <p:txBody>
-          <a:bodyPr/>
-          <a:lstStyle/>
-          <a:p>
-            <a:r>
-              <a:t>Analysis Results</a:t>
-            </a:r>
-          </a:p>
-        </p:txBody>
-      </p:sp>
-      <p:sp>
-        <p:nvSpPr>
-          <p:cNvPr id="3" name="Content Placeholder 2"/>
-          <p:cNvSpPr>
-            <a:spLocks noGrp="1"/>
-          </p:cNvSpPr>
-          <p:nvPr>
-            <p:ph idx="1"/>
-          </p:nvPr>
-        </p:nvSpPr>
-        <p:spPr/>
-        <p:txBody>
-          <a:bodyPr/>
-          <a:lstStyle/>
-          <a:p>
-            <a:r>
-              <a:t>Ending SoC (Ah): 34.433</a:t>
-            </a:r>
-          </a:p>
-        </p:txBody>
-      </p:sp>
-    </p:spTree>
-  </p:cSld>
-  <p:clrMapOvr>
-    <a:masterClrMapping/>
-  </p:clrMapOvr>
-</p:sld>
-</file>
-
-<file path=ppt/slides/slide7.xml><?xml version="1.0" encoding="utf-8"?>
-<p:sld xmlns:a="http://schemas.openxmlformats.org/drawingml/2006/main" xmlns:p="http://schemas.openxmlformats.org/presentationml/2006/main" xmlns:r="http://schemas.openxmlformats.org/officeDocument/2006/relationships">
-  <p:cSld>
-    <p:spTree>
-      <p:nvGrpSpPr>
-        <p:cNvPr id="1" name=""/>
-        <p:cNvGrpSpPr/>
-        <p:nvPr/>
-      </p:nvGrpSpPr>
-      <p:grpSpPr/>
-      <p:sp>
-        <p:nvSpPr>
-          <p:cNvPr id="2" name="Title 1"/>
-          <p:cNvSpPr>
-            <a:spLocks noGrp="1"/>
-          </p:cNvSpPr>
-          <p:nvPr>
-            <p:ph type="title"/>
-          </p:nvPr>
-        </p:nvSpPr>
-        <p:spPr/>
-        <p:txBody>
-          <a:bodyPr/>
-          <a:lstStyle/>
-          <a:p>
-            <a:r>
-              <a:t>Analysis Results</a:t>
-            </a:r>
-          </a:p>
-        </p:txBody>
-      </p:sp>
-      <p:sp>
-        <p:nvSpPr>
-          <p:cNvPr id="3" name="Content Placeholder 2"/>
-          <p:cNvSpPr>
-            <a:spLocks noGrp="1"/>
-          </p:cNvSpPr>
-          <p:nvPr>
-            <p:ph idx="1"/>
-          </p:nvPr>
-        </p:nvSpPr>
-        <p:spPr/>
-        <p:txBody>
-          <a:bodyPr/>
-          <a:lstStyle/>
-          <a:p>
-            <a:r>
-              <a:t>Total distance covered (in kilometers): 120</a:t>
-            </a:r>
-          </a:p>
-        </p:txBody>
-      </p:sp>
-    </p:spTree>
-  </p:cSld>
-  <p:clrMapOvr>
-    <a:masterClrMapping/>
-  </p:clrMapOvr>
-</p:sld>
-</file>
-
-<file path=ppt/slides/slide8.xml><?xml version="1.0" encoding="utf-8"?>
-<p:sld xmlns:a="http://schemas.openxmlformats.org/drawingml/2006/main" xmlns:p="http://schemas.openxmlformats.org/presentationml/2006/main" xmlns:r="http://schemas.openxmlformats.org/officeDocument/2006/relationships">
-  <p:cSld>
-    <p:spTree>
-      <p:nvGrpSpPr>
-        <p:cNvPr id="1" name=""/>
-        <p:cNvGrpSpPr/>
-        <p:nvPr/>
-      </p:nvGrpSpPr>
-      <p:grpSpPr/>
-      <p:sp>
-        <p:nvSpPr>
-          <p:cNvPr id="2" name="Title 1"/>
-          <p:cNvSpPr>
-            <a:spLocks noGrp="1"/>
-          </p:cNvSpPr>
-          <p:nvPr>
-            <p:ph type="title"/>
-          </p:nvPr>
-        </p:nvSpPr>
-        <p:spPr/>
-        <p:txBody>
-          <a:bodyPr/>
-          <a:lstStyle/>
-          <a:p>
-            <a:r>
-              <a:t>Analysis Results</a:t>
-            </a:r>
-          </a:p>
-        </p:txBody>
-      </p:sp>
-      <p:sp>
-        <p:nvSpPr>
-          <p:cNvPr id="3" name="Content Placeholder 2"/>
-          <p:cNvSpPr>
-            <a:spLocks noGrp="1"/>
-          </p:cNvSpPr>
-          <p:nvPr>
-            <p:ph idx="1"/>
-          </p:nvPr>
-        </p:nvSpPr>
-        <p:spPr/>
-        <p:txBody>
-          <a:bodyPr/>
-          <a:lstStyle/>
-          <a:p>
-            <a:r>
-              <a:t>WH/KM: -40.360253303742816</a:t>
-            </a:r>
-          </a:p>
-        </p:txBody>
-      </p:sp>
-    </p:spTree>
-  </p:cSld>
-  <p:clrMapOvr>
-    <a:masterClrMapping/>
-  </p:clrMapOvr>
-</p:sld>
-</file>
-
-<file path=ppt/slides/slide9.xml><?xml version="1.0" encoding="utf-8"?>
-<p:sld xmlns:a="http://schemas.openxmlformats.org/drawingml/2006/main" xmlns:p="http://schemas.openxmlformats.org/presentationml/2006/main" xmlns:r="http://schemas.openxmlformats.org/officeDocument/2006/relationships">
-  <p:cSld>
-    <p:spTree>
-      <p:nvGrpSpPr>
-        <p:cNvPr id="1" name=""/>
-        <p:cNvGrpSpPr/>
-        <p:nvPr/>
-      </p:nvGrpSpPr>
-      <p:grpSpPr/>
-      <p:sp>
-        <p:nvSpPr>
-          <p:cNvPr id="2" name="Title 1"/>
-          <p:cNvSpPr>
-            <a:spLocks noGrp="1"/>
-          </p:cNvSpPr>
-          <p:nvPr>
-            <p:ph type="title"/>
-          </p:nvPr>
-        </p:nvSpPr>
-        <p:spPr/>
-        <p:txBody>
-          <a:bodyPr/>
-          <a:lstStyle/>
-          <a:p>
-            <a:r>
-              <a:t>Analysis Results</a:t>
-            </a:r>
-          </a:p>
-        </p:txBody>
-      </p:sp>
-      <p:sp>
-        <p:nvSpPr>
-          <p:cNvPr id="3" name="Content Placeholder 2"/>
-          <p:cNvSpPr>
-            <a:spLocks noGrp="1"/>
-          </p:cNvSpPr>
-          <p:nvPr>
-            <p:ph idx="1"/>
-          </p:nvPr>
-        </p:nvSpPr>
-        <p:spPr/>
-        <p:txBody>
-          <a:bodyPr/>
-          <a:lstStyle/>
-          <a:p>
-            <a:r>
-              <a:t>Total SOC consumed: 1.0%</a:t>
-            </a:r>
-          </a:p>
-        </p:txBody>
-      </p:sp>
+          <p:cNvPr id="2" name="TextBox 1"/>
+          <p:cNvSpPr txBox="1"/>
+          <p:nvPr/>
+        </p:nvSpPr>
+        <p:spPr>
+          <a:xfrm>
+            <a:off x="914400" y="457200"/>
+            <a:ext cx="7315200" cy="914400"/>
+          </a:xfrm>
+          <a:prstGeom prst="rect">
+            <a:avLst/>
+          </a:prstGeom>
+          <a:noFill/>
+        </p:spPr>
+        <p:txBody>
+          <a:bodyPr wrap="none">
+            <a:spAutoFit/>
+          </a:bodyPr>
+          <a:lstStyle/>
+          <a:p>
+            <a:r>
+              <a:t>Graph Analysis</a:t>
+            </a:r>
+          </a:p>
+        </p:txBody>
+      </p:sp>
+      <p:pic>
+        <p:nvPicPr>
+          <p:cNvPr id="3" name="Picture 2" descr="graph.png"/>
+          <p:cNvPicPr>
+            <a:picLocks noChangeAspect="1"/>
+          </p:cNvPicPr>
+          <p:nvPr/>
+        </p:nvPicPr>
+        <p:blipFill>
+          <a:blip r:embed="rId2"/>
+          <a:stretch>
+            <a:fillRect/>
+          </a:stretch>
+        </p:blipFill>
+        <p:spPr>
+          <a:xfrm>
+            <a:off x="457200" y="1828800"/>
+            <a:ext cx="8229600" cy="5029200"/>
+          </a:xfrm>
+          <a:prstGeom prst="rect">
+            <a:avLst/>
+          </a:prstGeom>
+        </p:spPr>
+      </p:pic>
     </p:spTree>
   </p:cSld>
   <p:clrMapOvr>
